--- a/Course 3 Structuring ML Projects.pptx
+++ b/Course 3 Structuring ML Projects.pptx
@@ -20,6 +20,10 @@
     <p:sldId id="268" r:id="rId14"/>
     <p:sldId id="269" r:id="rId15"/>
     <p:sldId id="270" r:id="rId16"/>
+    <p:sldId id="271" r:id="rId17"/>
+    <p:sldId id="272" r:id="rId18"/>
+    <p:sldId id="273" r:id="rId19"/>
+    <p:sldId id="274" r:id="rId20"/>
   </p:sldIdLst>
   <p:sldSz cx="12192000" cy="6858000"/>
   <p:notesSz cx="6858000" cy="9144000"/>
@@ -129,7 +133,7 @@
 <file path=ppt/revisionInfo.xml><?xml version="1.0" encoding="utf-8"?>
 <p1510:revInfo xmlns:a="http://schemas.openxmlformats.org/drawingml/2006/main" xmlns:r="http://schemas.openxmlformats.org/officeDocument/2006/relationships" xmlns:p1510="http://schemas.microsoft.com/office/powerpoint/2015/10/main">
   <p1510:revLst>
-    <p1510:client id="{581A69B0-7A7A-4E1D-9B29-8D11F6141D11}" v="4" dt="2023-01-19T10:22:21.243"/>
+    <p1510:client id="{581A69B0-7A7A-4E1D-9B29-8D11F6141D11}" v="6" dt="2023-01-20T06:42:16.539"/>
   </p1510:revLst>
 </p1510:revInfo>
 </file>
@@ -139,7 +143,7 @@
   <pc:docChgLst>
     <pc:chgData name="Ankita Dhawan" userId="69d06312-e5c6-463e-b774-3ea9ac37c8f3" providerId="ADAL" clId="{581A69B0-7A7A-4E1D-9B29-8D11F6141D11}"/>
     <pc:docChg chg="undo custSel addSld modSld">
-      <pc:chgData name="Ankita Dhawan" userId="69d06312-e5c6-463e-b774-3ea9ac37c8f3" providerId="ADAL" clId="{581A69B0-7A7A-4E1D-9B29-8D11F6141D11}" dt="2023-01-19T11:38:39.378" v="5229" actId="14100"/>
+      <pc:chgData name="Ankita Dhawan" userId="69d06312-e5c6-463e-b774-3ea9ac37c8f3" providerId="ADAL" clId="{581A69B0-7A7A-4E1D-9B29-8D11F6141D11}" dt="2023-01-20T09:33:41.689" v="8841" actId="14100"/>
       <pc:docMkLst>
         <pc:docMk/>
       </pc:docMkLst>
@@ -306,7 +310,7 @@
         </pc:picChg>
       </pc:sldChg>
       <pc:sldChg chg="modSp new mod">
-        <pc:chgData name="Ankita Dhawan" userId="69d06312-e5c6-463e-b774-3ea9ac37c8f3" providerId="ADAL" clId="{581A69B0-7A7A-4E1D-9B29-8D11F6141D11}" dt="2023-01-19T11:38:39.378" v="5229" actId="14100"/>
+        <pc:chgData name="Ankita Dhawan" userId="69d06312-e5c6-463e-b774-3ea9ac37c8f3" providerId="ADAL" clId="{581A69B0-7A7A-4E1D-9B29-8D11F6141D11}" dt="2023-01-20T05:17:29.110" v="5563" actId="20577"/>
         <pc:sldMkLst>
           <pc:docMk/>
           <pc:sldMk cId="843912521" sldId="270"/>
@@ -320,13 +324,97 @@
           </ac:spMkLst>
         </pc:spChg>
         <pc:spChg chg="mod">
-          <ac:chgData name="Ankita Dhawan" userId="69d06312-e5c6-463e-b774-3ea9ac37c8f3" providerId="ADAL" clId="{581A69B0-7A7A-4E1D-9B29-8D11F6141D11}" dt="2023-01-19T11:38:39.378" v="5229" actId="14100"/>
+          <ac:chgData name="Ankita Dhawan" userId="69d06312-e5c6-463e-b774-3ea9ac37c8f3" providerId="ADAL" clId="{581A69B0-7A7A-4E1D-9B29-8D11F6141D11}" dt="2023-01-20T05:17:29.110" v="5563" actId="20577"/>
           <ac:spMkLst>
             <pc:docMk/>
             <pc:sldMk cId="843912521" sldId="270"/>
             <ac:spMk id="3" creationId="{5B88543E-86F0-3FEC-2D68-67CD363529A2}"/>
           </ac:spMkLst>
         </pc:spChg>
+      </pc:sldChg>
+      <pc:sldChg chg="modSp new mod">
+        <pc:chgData name="Ankita Dhawan" userId="69d06312-e5c6-463e-b774-3ea9ac37c8f3" providerId="ADAL" clId="{581A69B0-7A7A-4E1D-9B29-8D11F6141D11}" dt="2023-01-20T05:57:51.008" v="7885" actId="20577"/>
+        <pc:sldMkLst>
+          <pc:docMk/>
+          <pc:sldMk cId="2412132732" sldId="271"/>
+        </pc:sldMkLst>
+        <pc:spChg chg="mod">
+          <ac:chgData name="Ankita Dhawan" userId="69d06312-e5c6-463e-b774-3ea9ac37c8f3" providerId="ADAL" clId="{581A69B0-7A7A-4E1D-9B29-8D11F6141D11}" dt="2023-01-20T04:24:53.920" v="5255" actId="27636"/>
+          <ac:spMkLst>
+            <pc:docMk/>
+            <pc:sldMk cId="2412132732" sldId="271"/>
+            <ac:spMk id="2" creationId="{C07DA207-71BF-4999-267E-7676B51BAD8A}"/>
+          </ac:spMkLst>
+        </pc:spChg>
+        <pc:spChg chg="mod">
+          <ac:chgData name="Ankita Dhawan" userId="69d06312-e5c6-463e-b774-3ea9ac37c8f3" providerId="ADAL" clId="{581A69B0-7A7A-4E1D-9B29-8D11F6141D11}" dt="2023-01-20T05:57:51.008" v="7885" actId="20577"/>
+          <ac:spMkLst>
+            <pc:docMk/>
+            <pc:sldMk cId="2412132732" sldId="271"/>
+            <ac:spMk id="3" creationId="{033DC067-73A5-9C0C-3C2C-6240D79E1112}"/>
+          </ac:spMkLst>
+        </pc:spChg>
+      </pc:sldChg>
+      <pc:sldChg chg="addSp modSp new mod">
+        <pc:chgData name="Ankita Dhawan" userId="69d06312-e5c6-463e-b774-3ea9ac37c8f3" providerId="ADAL" clId="{581A69B0-7A7A-4E1D-9B29-8D11F6141D11}" dt="2023-01-20T06:43:36.107" v="8811" actId="1076"/>
+        <pc:sldMkLst>
+          <pc:docMk/>
+          <pc:sldMk cId="2906334105" sldId="272"/>
+        </pc:sldMkLst>
+        <pc:spChg chg="mod">
+          <ac:chgData name="Ankita Dhawan" userId="69d06312-e5c6-463e-b774-3ea9ac37c8f3" providerId="ADAL" clId="{581A69B0-7A7A-4E1D-9B29-8D11F6141D11}" dt="2023-01-20T06:02:42.644" v="7910" actId="14100"/>
+          <ac:spMkLst>
+            <pc:docMk/>
+            <pc:sldMk cId="2906334105" sldId="272"/>
+            <ac:spMk id="2" creationId="{DEFD7292-659B-4FC4-FF5F-C1ADDE7B41DA}"/>
+          </ac:spMkLst>
+        </pc:spChg>
+        <pc:spChg chg="mod">
+          <ac:chgData name="Ankita Dhawan" userId="69d06312-e5c6-463e-b774-3ea9ac37c8f3" providerId="ADAL" clId="{581A69B0-7A7A-4E1D-9B29-8D11F6141D11}" dt="2023-01-20T06:43:32.752" v="8809" actId="20577"/>
+          <ac:spMkLst>
+            <pc:docMk/>
+            <pc:sldMk cId="2906334105" sldId="272"/>
+            <ac:spMk id="3" creationId="{79EE7E34-51FD-CADA-8FCD-74B04820AE4B}"/>
+          </ac:spMkLst>
+        </pc:spChg>
+        <pc:picChg chg="add mod">
+          <ac:chgData name="Ankita Dhawan" userId="69d06312-e5c6-463e-b774-3ea9ac37c8f3" providerId="ADAL" clId="{581A69B0-7A7A-4E1D-9B29-8D11F6141D11}" dt="2023-01-20T06:43:36.107" v="8811" actId="1076"/>
+          <ac:picMkLst>
+            <pc:docMk/>
+            <pc:sldMk cId="2906334105" sldId="272"/>
+            <ac:picMk id="5" creationId="{FDE7C79F-8934-14B0-B74F-8FA68161CE4C}"/>
+          </ac:picMkLst>
+        </pc:picChg>
+      </pc:sldChg>
+      <pc:sldChg chg="modSp new mod">
+        <pc:chgData name="Ankita Dhawan" userId="69d06312-e5c6-463e-b774-3ea9ac37c8f3" providerId="ADAL" clId="{581A69B0-7A7A-4E1D-9B29-8D11F6141D11}" dt="2023-01-20T09:33:41.689" v="8841" actId="14100"/>
+        <pc:sldMkLst>
+          <pc:docMk/>
+          <pc:sldMk cId="90914870" sldId="273"/>
+        </pc:sldMkLst>
+        <pc:spChg chg="mod">
+          <ac:chgData name="Ankita Dhawan" userId="69d06312-e5c6-463e-b774-3ea9ac37c8f3" providerId="ADAL" clId="{581A69B0-7A7A-4E1D-9B29-8D11F6141D11}" dt="2023-01-20T09:33:38.433" v="8840" actId="113"/>
+          <ac:spMkLst>
+            <pc:docMk/>
+            <pc:sldMk cId="90914870" sldId="273"/>
+            <ac:spMk id="2" creationId="{94F429E8-1398-3C9F-A0D3-79AC21515012}"/>
+          </ac:spMkLst>
+        </pc:spChg>
+        <pc:spChg chg="mod">
+          <ac:chgData name="Ankita Dhawan" userId="69d06312-e5c6-463e-b774-3ea9ac37c8f3" providerId="ADAL" clId="{581A69B0-7A7A-4E1D-9B29-8D11F6141D11}" dt="2023-01-20T09:33:41.689" v="8841" actId="14100"/>
+          <ac:spMkLst>
+            <pc:docMk/>
+            <pc:sldMk cId="90914870" sldId="273"/>
+            <ac:spMk id="3" creationId="{3D514216-A944-7EA0-9C53-7E7A535CC1E4}"/>
+          </ac:spMkLst>
+        </pc:spChg>
+      </pc:sldChg>
+      <pc:sldChg chg="new">
+        <pc:chgData name="Ankita Dhawan" userId="69d06312-e5c6-463e-b774-3ea9ac37c8f3" providerId="ADAL" clId="{581A69B0-7A7A-4E1D-9B29-8D11F6141D11}" dt="2023-01-20T09:33:16.514" v="8813" actId="680"/>
+        <pc:sldMkLst>
+          <pc:docMk/>
+          <pc:sldMk cId="579769386" sldId="274"/>
+        </pc:sldMkLst>
       </pc:sldChg>
     </pc:docChg>
   </pc:docChgLst>
@@ -482,7 +570,7 @@
           <a:p>
             <a:fld id="{94C1E15E-0572-462F-9259-D5A012BC8661}" type="datetimeFigureOut">
               <a:rPr lang="en-IN" smtClean="0"/>
-              <a:t>19-01-2023</a:t>
+              <a:t>20-01-2023</a:t>
             </a:fld>
             <a:endParaRPr lang="en-IN"/>
           </a:p>
@@ -682,7 +770,7 @@
           <a:p>
             <a:fld id="{94C1E15E-0572-462F-9259-D5A012BC8661}" type="datetimeFigureOut">
               <a:rPr lang="en-IN" smtClean="0"/>
-              <a:t>19-01-2023</a:t>
+              <a:t>20-01-2023</a:t>
             </a:fld>
             <a:endParaRPr lang="en-IN"/>
           </a:p>
@@ -892,7 +980,7 @@
           <a:p>
             <a:fld id="{94C1E15E-0572-462F-9259-D5A012BC8661}" type="datetimeFigureOut">
               <a:rPr lang="en-IN" smtClean="0"/>
-              <a:t>19-01-2023</a:t>
+              <a:t>20-01-2023</a:t>
             </a:fld>
             <a:endParaRPr lang="en-IN"/>
           </a:p>
@@ -1092,7 +1180,7 @@
           <a:p>
             <a:fld id="{94C1E15E-0572-462F-9259-D5A012BC8661}" type="datetimeFigureOut">
               <a:rPr lang="en-IN" smtClean="0"/>
-              <a:t>19-01-2023</a:t>
+              <a:t>20-01-2023</a:t>
             </a:fld>
             <a:endParaRPr lang="en-IN"/>
           </a:p>
@@ -1368,7 +1456,7 @@
           <a:p>
             <a:fld id="{94C1E15E-0572-462F-9259-D5A012BC8661}" type="datetimeFigureOut">
               <a:rPr lang="en-IN" smtClean="0"/>
-              <a:t>19-01-2023</a:t>
+              <a:t>20-01-2023</a:t>
             </a:fld>
             <a:endParaRPr lang="en-IN"/>
           </a:p>
@@ -1636,7 +1724,7 @@
           <a:p>
             <a:fld id="{94C1E15E-0572-462F-9259-D5A012BC8661}" type="datetimeFigureOut">
               <a:rPr lang="en-IN" smtClean="0"/>
-              <a:t>19-01-2023</a:t>
+              <a:t>20-01-2023</a:t>
             </a:fld>
             <a:endParaRPr lang="en-IN"/>
           </a:p>
@@ -2051,7 +2139,7 @@
           <a:p>
             <a:fld id="{94C1E15E-0572-462F-9259-D5A012BC8661}" type="datetimeFigureOut">
               <a:rPr lang="en-IN" smtClean="0"/>
-              <a:t>19-01-2023</a:t>
+              <a:t>20-01-2023</a:t>
             </a:fld>
             <a:endParaRPr lang="en-IN"/>
           </a:p>
@@ -2193,7 +2281,7 @@
           <a:p>
             <a:fld id="{94C1E15E-0572-462F-9259-D5A012BC8661}" type="datetimeFigureOut">
               <a:rPr lang="en-IN" smtClean="0"/>
-              <a:t>19-01-2023</a:t>
+              <a:t>20-01-2023</a:t>
             </a:fld>
             <a:endParaRPr lang="en-IN"/>
           </a:p>
@@ -2306,7 +2394,7 @@
           <a:p>
             <a:fld id="{94C1E15E-0572-462F-9259-D5A012BC8661}" type="datetimeFigureOut">
               <a:rPr lang="en-IN" smtClean="0"/>
-              <a:t>19-01-2023</a:t>
+              <a:t>20-01-2023</a:t>
             </a:fld>
             <a:endParaRPr lang="en-IN"/>
           </a:p>
@@ -2619,7 +2707,7 @@
           <a:p>
             <a:fld id="{94C1E15E-0572-462F-9259-D5A012BC8661}" type="datetimeFigureOut">
               <a:rPr lang="en-IN" smtClean="0"/>
-              <a:t>19-01-2023</a:t>
+              <a:t>20-01-2023</a:t>
             </a:fld>
             <a:endParaRPr lang="en-IN"/>
           </a:p>
@@ -2908,7 +2996,7 @@
           <a:p>
             <a:fld id="{94C1E15E-0572-462F-9259-D5A012BC8661}" type="datetimeFigureOut">
               <a:rPr lang="en-IN" smtClean="0"/>
-              <a:t>19-01-2023</a:t>
+              <a:t>20-01-2023</a:t>
             </a:fld>
             <a:endParaRPr lang="en-IN"/>
           </a:p>
@@ -3151,7 +3239,7 @@
           <a:p>
             <a:fld id="{94C1E15E-0572-462F-9259-D5A012BC8661}" type="datetimeFigureOut">
               <a:rPr lang="en-IN" smtClean="0"/>
-              <a:t>19-01-2023</a:t>
+              <a:t>20-01-2023</a:t>
             </a:fld>
             <a:endParaRPr lang="en-IN"/>
           </a:p>
@@ -4500,13 +4588,13 @@
         </p:nvSpPr>
         <p:spPr>
           <a:xfrm>
-            <a:off x="756356" y="1264356"/>
-            <a:ext cx="10597444" cy="4912607"/>
+            <a:off x="756356" y="1264357"/>
+            <a:ext cx="10597444" cy="2698044"/>
           </a:xfrm>
         </p:spPr>
         <p:txBody>
           <a:bodyPr>
-            <a:normAutofit/>
+            <a:normAutofit fontScale="92500" lnSpcReduction="10000"/>
           </a:bodyPr>
           <a:lstStyle/>
           <a:p>
@@ -4527,8 +4615,23 @@
           <a:p>
             <a:r>
               <a:rPr lang="en-IN" sz="2000" dirty="0"/>
+              <a:t>Dev set can also be more noisy than your train set. One thing you can do is try to make your training set similar to your dev set.</a:t>
+            </a:r>
+          </a:p>
+          <a:p>
+            <a:r>
+              <a:rPr lang="en-IN" sz="2000" dirty="0"/>
               <a:t>See if there are some ways to get more training data that looks like your dev set and one of the ways is through artificial data synthesis.</a:t>
             </a:r>
+          </a:p>
+          <a:p>
+            <a:r>
+              <a:rPr lang="en-IN" sz="2000" dirty="0"/>
+              <a:t>artificial data synthesis does boost performance-be aware whether you might be accidently simulating data only from a tiny subset of the space of all possible examples.</a:t>
+            </a:r>
+          </a:p>
+          <a:p>
+            <a:endParaRPr lang="en-IN" sz="2000" dirty="0"/>
           </a:p>
         </p:txBody>
       </p:sp>
@@ -4536,6 +4639,486 @@
     <p:extLst>
       <p:ext uri="{BB962C8B-B14F-4D97-AF65-F5344CB8AC3E}">
         <p14:creationId xmlns:p14="http://schemas.microsoft.com/office/powerpoint/2010/main" val="843912521"/>
+      </p:ext>
+    </p:extLst>
+  </p:cSld>
+  <p:clrMapOvr>
+    <a:masterClrMapping/>
+  </p:clrMapOvr>
+</p:sld>
+</file>
+
+<file path=ppt/slides/slide16.xml><?xml version="1.0" encoding="utf-8"?>
+<p:sld xmlns:a="http://schemas.openxmlformats.org/drawingml/2006/main" xmlns:r="http://schemas.openxmlformats.org/officeDocument/2006/relationships" xmlns:p="http://schemas.openxmlformats.org/presentationml/2006/main">
+  <p:cSld>
+    <p:spTree>
+      <p:nvGrpSpPr>
+        <p:cNvPr id="1" name=""/>
+        <p:cNvGrpSpPr/>
+        <p:nvPr/>
+      </p:nvGrpSpPr>
+      <p:grpSpPr>
+        <a:xfrm>
+          <a:off x="0" y="0"/>
+          <a:ext cx="0" cy="0"/>
+          <a:chOff x="0" y="0"/>
+          <a:chExt cx="0" cy="0"/>
+        </a:xfrm>
+      </p:grpSpPr>
+      <p:sp>
+        <p:nvSpPr>
+          <p:cNvPr id="2" name="Title 1">
+            <a:extLst>
+              <a:ext uri="{FF2B5EF4-FFF2-40B4-BE49-F238E27FC236}">
+                <a16:creationId xmlns:a16="http://schemas.microsoft.com/office/drawing/2014/main" id="{C07DA207-71BF-4999-267E-7676B51BAD8A}"/>
+              </a:ext>
+            </a:extLst>
+          </p:cNvPr>
+          <p:cNvSpPr>
+            <a:spLocks noGrp="1"/>
+          </p:cNvSpPr>
+          <p:nvPr>
+            <p:ph type="title"/>
+          </p:nvPr>
+        </p:nvSpPr>
+        <p:spPr>
+          <a:xfrm>
+            <a:off x="838200" y="365125"/>
+            <a:ext cx="10515600" cy="504119"/>
+          </a:xfrm>
+        </p:spPr>
+        <p:txBody>
+          <a:bodyPr>
+            <a:normAutofit fontScale="90000"/>
+          </a:bodyPr>
+          <a:lstStyle/>
+          <a:p>
+            <a:r>
+              <a:rPr lang="en-US" sz="3200" b="1" dirty="0"/>
+              <a:t>Transfer Learning</a:t>
+            </a:r>
+            <a:endParaRPr lang="en-IN" sz="3200" b="1" dirty="0"/>
+          </a:p>
+        </p:txBody>
+      </p:sp>
+      <p:sp>
+        <p:nvSpPr>
+          <p:cNvPr id="3" name="Content Placeholder 2">
+            <a:extLst>
+              <a:ext uri="{FF2B5EF4-FFF2-40B4-BE49-F238E27FC236}">
+                <a16:creationId xmlns:a16="http://schemas.microsoft.com/office/drawing/2014/main" id="{033DC067-73A5-9C0C-3C2C-6240D79E1112}"/>
+              </a:ext>
+            </a:extLst>
+          </p:cNvPr>
+          <p:cNvSpPr>
+            <a:spLocks noGrp="1"/>
+          </p:cNvSpPr>
+          <p:nvPr>
+            <p:ph idx="1"/>
+          </p:nvPr>
+        </p:nvSpPr>
+        <p:spPr>
+          <a:xfrm>
+            <a:off x="688622" y="1185333"/>
+            <a:ext cx="10665178" cy="5307542"/>
+          </a:xfrm>
+        </p:spPr>
+        <p:txBody>
+          <a:bodyPr>
+            <a:normAutofit/>
+          </a:bodyPr>
+          <a:lstStyle/>
+          <a:p>
+            <a:r>
+              <a:rPr lang="en-IN" sz="1800" dirty="0"/>
+              <a:t>You can take knowledge that the NN has learned from one task and apply that to other tasks.</a:t>
+            </a:r>
+          </a:p>
+          <a:p>
+            <a:r>
+              <a:rPr lang="en-IN" sz="1800" dirty="0"/>
+              <a:t>For example if you are training examples for an image recognition task(recognizing cats), you train all the usual parameters, and then take the last output layer in the NN and delete that and delete the ways it is feeding into the last output layer.</a:t>
+            </a:r>
+          </a:p>
+          <a:p>
+            <a:r>
+              <a:rPr lang="en-IN" sz="1800" dirty="0"/>
+              <a:t>Create a new set of randomly initialized weights just for the last layer and have that output radiology diagnosis. This way you implement transfer learning by </a:t>
+            </a:r>
+            <a:r>
+              <a:rPr lang="en-IN" sz="1800" dirty="0" err="1"/>
+              <a:t>swaping</a:t>
+            </a:r>
+            <a:r>
+              <a:rPr lang="en-IN" sz="1800" dirty="0"/>
+              <a:t> in a new dataset XY where x are the radiology images and y are the diagnosis. Initialize the layer weights</a:t>
+            </a:r>
+          </a:p>
+          <a:p>
+            <a:r>
+              <a:rPr lang="en-IN" sz="1800" dirty="0"/>
+              <a:t>And then you re-train the dataset on the radiology images. If the dataset is small then you could just retrain the last layer and keep the other parameters of other layers fixed.</a:t>
+            </a:r>
+          </a:p>
+          <a:p>
+            <a:r>
+              <a:rPr lang="en-IN" sz="1800" dirty="0"/>
+              <a:t>But if you have a bigger dataset, you can retrain all the parameters in the network. And if you retrain all the parameters in the network, then this initial phase of training is sometimes called pre-training.</a:t>
+            </a:r>
+          </a:p>
+          <a:p>
+            <a:r>
+              <a:rPr lang="en-IN" sz="1800" dirty="0"/>
+              <a:t>But if you are updating all the ways afterwards, then training on the radiology data is called fine-tuning.</a:t>
+            </a:r>
+          </a:p>
+          <a:p>
+            <a:r>
+              <a:rPr lang="en-IN" sz="1800" dirty="0"/>
+              <a:t>Transfer learning enables the algorithm to learn enough and recognize what images look like and then adapt that to radiology images. (it can learn and train faster to a new NN).</a:t>
+            </a:r>
+          </a:p>
+          <a:p>
+            <a:r>
+              <a:rPr lang="en-IN" sz="1800" dirty="0"/>
+              <a:t> But transfer learning only makes sense if you have a lot of data from the problem you are transferring from and relatively less data to the problem you are transferring to. (you need a lot of data to learn from to learn imp features of recognizing particular images, audio, text etc). The opposite of this would not work.</a:t>
+            </a:r>
+          </a:p>
+        </p:txBody>
+      </p:sp>
+    </p:spTree>
+    <p:extLst>
+      <p:ext uri="{BB962C8B-B14F-4D97-AF65-F5344CB8AC3E}">
+        <p14:creationId xmlns:p14="http://schemas.microsoft.com/office/powerpoint/2010/main" val="2412132732"/>
+      </p:ext>
+    </p:extLst>
+  </p:cSld>
+  <p:clrMapOvr>
+    <a:masterClrMapping/>
+  </p:clrMapOvr>
+</p:sld>
+</file>
+
+<file path=ppt/slides/slide17.xml><?xml version="1.0" encoding="utf-8"?>
+<p:sld xmlns:a="http://schemas.openxmlformats.org/drawingml/2006/main" xmlns:r="http://schemas.openxmlformats.org/officeDocument/2006/relationships" xmlns:p="http://schemas.openxmlformats.org/presentationml/2006/main">
+  <p:cSld>
+    <p:spTree>
+      <p:nvGrpSpPr>
+        <p:cNvPr id="1" name=""/>
+        <p:cNvGrpSpPr/>
+        <p:nvPr/>
+      </p:nvGrpSpPr>
+      <p:grpSpPr>
+        <a:xfrm>
+          <a:off x="0" y="0"/>
+          <a:ext cx="0" cy="0"/>
+          <a:chOff x="0" y="0"/>
+          <a:chExt cx="0" cy="0"/>
+        </a:xfrm>
+      </p:grpSpPr>
+      <p:sp>
+        <p:nvSpPr>
+          <p:cNvPr id="2" name="Title 1">
+            <a:extLst>
+              <a:ext uri="{FF2B5EF4-FFF2-40B4-BE49-F238E27FC236}">
+                <a16:creationId xmlns:a16="http://schemas.microsoft.com/office/drawing/2014/main" id="{DEFD7292-659B-4FC4-FF5F-C1ADDE7B41DA}"/>
+              </a:ext>
+            </a:extLst>
+          </p:cNvPr>
+          <p:cNvSpPr>
+            <a:spLocks noGrp="1"/>
+          </p:cNvSpPr>
+          <p:nvPr>
+            <p:ph type="title"/>
+          </p:nvPr>
+        </p:nvSpPr>
+        <p:spPr>
+          <a:xfrm>
+            <a:off x="838200" y="365125"/>
+            <a:ext cx="10515600" cy="673453"/>
+          </a:xfrm>
+        </p:spPr>
+        <p:txBody>
+          <a:bodyPr>
+            <a:normAutofit/>
+          </a:bodyPr>
+          <a:lstStyle/>
+          <a:p>
+            <a:r>
+              <a:rPr lang="en-IN" sz="3200" b="1" dirty="0"/>
+              <a:t>Multi-Task Learning</a:t>
+            </a:r>
+          </a:p>
+        </p:txBody>
+      </p:sp>
+      <p:sp>
+        <p:nvSpPr>
+          <p:cNvPr id="3" name="Content Placeholder 2">
+            <a:extLst>
+              <a:ext uri="{FF2B5EF4-FFF2-40B4-BE49-F238E27FC236}">
+                <a16:creationId xmlns:a16="http://schemas.microsoft.com/office/drawing/2014/main" id="{79EE7E34-51FD-CADA-8FCD-74B04820AE4B}"/>
+              </a:ext>
+            </a:extLst>
+          </p:cNvPr>
+          <p:cNvSpPr>
+            <a:spLocks noGrp="1"/>
+          </p:cNvSpPr>
+          <p:nvPr>
+            <p:ph idx="1"/>
+          </p:nvPr>
+        </p:nvSpPr>
+        <p:spPr>
+          <a:xfrm>
+            <a:off x="7151426" y="1561660"/>
+            <a:ext cx="4708477" cy="4647587"/>
+          </a:xfrm>
+        </p:spPr>
+        <p:txBody>
+          <a:bodyPr>
+            <a:normAutofit/>
+          </a:bodyPr>
+          <a:lstStyle/>
+          <a:p>
+            <a:r>
+              <a:rPr lang="en-IN" sz="1600" dirty="0"/>
+              <a:t>Where as in transfer learning, there is a sequential process of learning where you learn from Task A to Task B, Multi task learning, learning takes place simultaneously and each of these tasks helps all of the other tasks.</a:t>
+            </a:r>
+          </a:p>
+          <a:p>
+            <a:r>
+              <a:rPr lang="en-IN" sz="1600" dirty="0"/>
+              <a:t>Training 1 NN to do 4 tasks at the same time works better than training 4 separate NNs to 4 individual tasks. That’s the power of multi-task learning</a:t>
+            </a:r>
+          </a:p>
+          <a:p>
+            <a:r>
+              <a:rPr lang="en-IN" sz="1600" dirty="0"/>
+              <a:t>Multi-task learning can also train NN to do 4 tasks at the same time where some examples are fully labelled and some are question marks. This happens by omitting the examples where there are question marks and does a summation over only the labelled examples.</a:t>
+            </a:r>
+          </a:p>
+          <a:p>
+            <a:r>
+              <a:rPr lang="en-IN" sz="1600" dirty="0"/>
+              <a:t>However, in practice transfer learning works more than multi-task learning.</a:t>
+            </a:r>
+          </a:p>
+        </p:txBody>
+      </p:sp>
+      <p:pic>
+        <p:nvPicPr>
+          <p:cNvPr id="5" name="Picture 4" descr="Graphical user interface, text, application, Word">
+            <a:extLst>
+              <a:ext uri="{FF2B5EF4-FFF2-40B4-BE49-F238E27FC236}">
+                <a16:creationId xmlns:a16="http://schemas.microsoft.com/office/drawing/2014/main" id="{FDE7C79F-8934-14B0-B74F-8FA68161CE4C}"/>
+              </a:ext>
+            </a:extLst>
+          </p:cNvPr>
+          <p:cNvPicPr>
+            <a:picLocks noChangeAspect="1"/>
+          </p:cNvPicPr>
+          <p:nvPr/>
+        </p:nvPicPr>
+        <p:blipFill>
+          <a:blip r:embed="rId2">
+            <a:extLst>
+              <a:ext uri="{28A0092B-C50C-407E-A947-70E740481C1C}">
+                <a14:useLocalDpi xmlns:a14="http://schemas.microsoft.com/office/drawing/2010/main" val="0"/>
+              </a:ext>
+            </a:extLst>
+          </a:blip>
+          <a:stretch>
+            <a:fillRect/>
+          </a:stretch>
+        </p:blipFill>
+        <p:spPr>
+          <a:xfrm>
+            <a:off x="533158" y="1571849"/>
+            <a:ext cx="6618268" cy="3724491"/>
+          </a:xfrm>
+          <a:prstGeom prst="rect">
+            <a:avLst/>
+          </a:prstGeom>
+        </p:spPr>
+      </p:pic>
+    </p:spTree>
+    <p:extLst>
+      <p:ext uri="{BB962C8B-B14F-4D97-AF65-F5344CB8AC3E}">
+        <p14:creationId xmlns:p14="http://schemas.microsoft.com/office/powerpoint/2010/main" val="2906334105"/>
+      </p:ext>
+    </p:extLst>
+  </p:cSld>
+  <p:clrMapOvr>
+    <a:masterClrMapping/>
+  </p:clrMapOvr>
+</p:sld>
+</file>
+
+<file path=ppt/slides/slide18.xml><?xml version="1.0" encoding="utf-8"?>
+<p:sld xmlns:a="http://schemas.openxmlformats.org/drawingml/2006/main" xmlns:r="http://schemas.openxmlformats.org/officeDocument/2006/relationships" xmlns:p="http://schemas.openxmlformats.org/presentationml/2006/main">
+  <p:cSld>
+    <p:spTree>
+      <p:nvGrpSpPr>
+        <p:cNvPr id="1" name=""/>
+        <p:cNvGrpSpPr/>
+        <p:nvPr/>
+      </p:nvGrpSpPr>
+      <p:grpSpPr>
+        <a:xfrm>
+          <a:off x="0" y="0"/>
+          <a:ext cx="0" cy="0"/>
+          <a:chOff x="0" y="0"/>
+          <a:chExt cx="0" cy="0"/>
+        </a:xfrm>
+      </p:grpSpPr>
+      <p:sp>
+        <p:nvSpPr>
+          <p:cNvPr id="2" name="Title 1">
+            <a:extLst>
+              <a:ext uri="{FF2B5EF4-FFF2-40B4-BE49-F238E27FC236}">
+                <a16:creationId xmlns:a16="http://schemas.microsoft.com/office/drawing/2014/main" id="{94F429E8-1398-3C9F-A0D3-79AC21515012}"/>
+              </a:ext>
+            </a:extLst>
+          </p:cNvPr>
+          <p:cNvSpPr>
+            <a:spLocks noGrp="1"/>
+          </p:cNvSpPr>
+          <p:nvPr>
+            <p:ph type="title"/>
+          </p:nvPr>
+        </p:nvSpPr>
+        <p:spPr>
+          <a:xfrm>
+            <a:off x="838200" y="365126"/>
+            <a:ext cx="10515600" cy="631162"/>
+          </a:xfrm>
+        </p:spPr>
+        <p:txBody>
+          <a:bodyPr>
+            <a:normAutofit fontScale="90000"/>
+          </a:bodyPr>
+          <a:lstStyle/>
+          <a:p>
+            <a:r>
+              <a:rPr lang="en-IN" b="1" dirty="0"/>
+              <a:t>End to End Deep Learning</a:t>
+            </a:r>
+          </a:p>
+        </p:txBody>
+      </p:sp>
+      <p:sp>
+        <p:nvSpPr>
+          <p:cNvPr id="3" name="Content Placeholder 2">
+            <a:extLst>
+              <a:ext uri="{FF2B5EF4-FFF2-40B4-BE49-F238E27FC236}">
+                <a16:creationId xmlns:a16="http://schemas.microsoft.com/office/drawing/2014/main" id="{3D514216-A944-7EA0-9C53-7E7A535CC1E4}"/>
+              </a:ext>
+            </a:extLst>
+          </p:cNvPr>
+          <p:cNvSpPr>
+            <a:spLocks noGrp="1"/>
+          </p:cNvSpPr>
+          <p:nvPr>
+            <p:ph idx="1"/>
+          </p:nvPr>
+        </p:nvSpPr>
+        <p:spPr>
+          <a:xfrm>
+            <a:off x="696036" y="1269242"/>
+            <a:ext cx="10657764" cy="4907721"/>
+          </a:xfrm>
+        </p:spPr>
+        <p:txBody>
+          <a:bodyPr/>
+          <a:lstStyle/>
+          <a:p>
+            <a:endParaRPr lang="en-IN" dirty="0"/>
+          </a:p>
+        </p:txBody>
+      </p:sp>
+    </p:spTree>
+    <p:extLst>
+      <p:ext uri="{BB962C8B-B14F-4D97-AF65-F5344CB8AC3E}">
+        <p14:creationId xmlns:p14="http://schemas.microsoft.com/office/powerpoint/2010/main" val="90914870"/>
+      </p:ext>
+    </p:extLst>
+  </p:cSld>
+  <p:clrMapOvr>
+    <a:masterClrMapping/>
+  </p:clrMapOvr>
+</p:sld>
+</file>
+
+<file path=ppt/slides/slide19.xml><?xml version="1.0" encoding="utf-8"?>
+<p:sld xmlns:a="http://schemas.openxmlformats.org/drawingml/2006/main" xmlns:r="http://schemas.openxmlformats.org/officeDocument/2006/relationships" xmlns:p="http://schemas.openxmlformats.org/presentationml/2006/main">
+  <p:cSld>
+    <p:spTree>
+      <p:nvGrpSpPr>
+        <p:cNvPr id="1" name=""/>
+        <p:cNvGrpSpPr/>
+        <p:nvPr/>
+      </p:nvGrpSpPr>
+      <p:grpSpPr>
+        <a:xfrm>
+          <a:off x="0" y="0"/>
+          <a:ext cx="0" cy="0"/>
+          <a:chOff x="0" y="0"/>
+          <a:chExt cx="0" cy="0"/>
+        </a:xfrm>
+      </p:grpSpPr>
+      <p:sp>
+        <p:nvSpPr>
+          <p:cNvPr id="2" name="Title 1">
+            <a:extLst>
+              <a:ext uri="{FF2B5EF4-FFF2-40B4-BE49-F238E27FC236}">
+                <a16:creationId xmlns:a16="http://schemas.microsoft.com/office/drawing/2014/main" id="{C0FD67EB-E77B-50A0-3DDC-4AFE6F197731}"/>
+              </a:ext>
+            </a:extLst>
+          </p:cNvPr>
+          <p:cNvSpPr>
+            <a:spLocks noGrp="1"/>
+          </p:cNvSpPr>
+          <p:nvPr>
+            <p:ph type="title"/>
+          </p:nvPr>
+        </p:nvSpPr>
+        <p:spPr/>
+        <p:txBody>
+          <a:bodyPr/>
+          <a:lstStyle/>
+          <a:p>
+            <a:endParaRPr lang="en-IN"/>
+          </a:p>
+        </p:txBody>
+      </p:sp>
+      <p:sp>
+        <p:nvSpPr>
+          <p:cNvPr id="3" name="Content Placeholder 2">
+            <a:extLst>
+              <a:ext uri="{FF2B5EF4-FFF2-40B4-BE49-F238E27FC236}">
+                <a16:creationId xmlns:a16="http://schemas.microsoft.com/office/drawing/2014/main" id="{747A4E5C-A5B0-68F8-8959-8EDB3F776E63}"/>
+              </a:ext>
+            </a:extLst>
+          </p:cNvPr>
+          <p:cNvSpPr>
+            <a:spLocks noGrp="1"/>
+          </p:cNvSpPr>
+          <p:nvPr>
+            <p:ph idx="1"/>
+          </p:nvPr>
+        </p:nvSpPr>
+        <p:spPr/>
+        <p:txBody>
+          <a:bodyPr/>
+          <a:lstStyle/>
+          <a:p>
+            <a:endParaRPr lang="en-IN"/>
+          </a:p>
+        </p:txBody>
+      </p:sp>
+    </p:spTree>
+    <p:extLst>
+      <p:ext uri="{BB962C8B-B14F-4D97-AF65-F5344CB8AC3E}">
+        <p14:creationId xmlns:p14="http://schemas.microsoft.com/office/powerpoint/2010/main" val="579769386"/>
       </p:ext>
     </p:extLst>
   </p:cSld>
